--- a/Final Project Section X-Team CAB.pptx
+++ b/Final Project Section X-Team CAB.pptx
@@ -11,6 +11,7 @@
     <p:sldId id="259" r:id="rId5"/>
     <p:sldId id="260" r:id="rId6"/>
     <p:sldId id="261" r:id="rId7"/>
+    <p:sldId id="262" r:id="rId8"/>
   </p:sldIdLst>
   <p:sldSz cx="12192000" cy="6858000"/>
   <p:notesSz cx="6858000" cy="9144000"/>
@@ -109,6 +110,11 @@
       </a:defRPr>
     </a:lvl9pPr>
   </p:defaultTextStyle>
+  <p:extLst>
+    <p:ext uri="{EFAFB233-063F-42B5-8137-9DF3F51BA10A}">
+      <p15:sldGuideLst xmlns:p15="http://schemas.microsoft.com/office/powerpoint/2012/main"/>
+    </p:ext>
+  </p:extLst>
 </p:presentation>
 </file>
 
@@ -268,7 +274,7 @@
           <a:p>
             <a:fld id="{D341B595-366B-43E2-A22E-EA6A78C03F06}" type="datetimeFigureOut">
               <a:rPr lang="en-US" smtClean="0"/>
-              <a:t>6/6/2023</a:t>
+              <a:t>6/11/2023</a:t>
             </a:fld>
             <a:endParaRPr lang="en-US"/>
           </a:p>
@@ -466,7 +472,7 @@
           <a:p>
             <a:fld id="{D341B595-366B-43E2-A22E-EA6A78C03F06}" type="datetimeFigureOut">
               <a:rPr lang="en-US" smtClean="0"/>
-              <a:t>6/6/2023</a:t>
+              <a:t>6/11/2023</a:t>
             </a:fld>
             <a:endParaRPr lang="en-US"/>
           </a:p>
@@ -675,7 +681,7 @@
           <a:p>
             <a:fld id="{D341B595-366B-43E2-A22E-EA6A78C03F06}" type="datetimeFigureOut">
               <a:rPr lang="en-US" smtClean="0"/>
-              <a:t>6/6/2023</a:t>
+              <a:t>6/11/2023</a:t>
             </a:fld>
             <a:endParaRPr lang="en-US"/>
           </a:p>
@@ -873,7 +879,7 @@
           <a:p>
             <a:fld id="{D341B595-366B-43E2-A22E-EA6A78C03F06}" type="datetimeFigureOut">
               <a:rPr lang="en-US" smtClean="0"/>
-              <a:t>6/6/2023</a:t>
+              <a:t>6/11/2023</a:t>
             </a:fld>
             <a:endParaRPr lang="en-US"/>
           </a:p>
@@ -1151,7 +1157,7 @@
           <a:p>
             <a:fld id="{D341B595-366B-43E2-A22E-EA6A78C03F06}" type="datetimeFigureOut">
               <a:rPr lang="en-US" smtClean="0"/>
-              <a:t>6/6/2023</a:t>
+              <a:t>6/11/2023</a:t>
             </a:fld>
             <a:endParaRPr lang="en-US"/>
           </a:p>
@@ -1419,7 +1425,7 @@
           <a:p>
             <a:fld id="{D341B595-366B-43E2-A22E-EA6A78C03F06}" type="datetimeFigureOut">
               <a:rPr lang="en-US" smtClean="0"/>
-              <a:t>6/6/2023</a:t>
+              <a:t>6/11/2023</a:t>
             </a:fld>
             <a:endParaRPr lang="en-US"/>
           </a:p>
@@ -1838,7 +1844,7 @@
           <a:p>
             <a:fld id="{D341B595-366B-43E2-A22E-EA6A78C03F06}" type="datetimeFigureOut">
               <a:rPr lang="en-US" smtClean="0"/>
-              <a:t>6/6/2023</a:t>
+              <a:t>6/11/2023</a:t>
             </a:fld>
             <a:endParaRPr lang="en-US"/>
           </a:p>
@@ -1979,7 +1985,7 @@
           <a:p>
             <a:fld id="{D341B595-366B-43E2-A22E-EA6A78C03F06}" type="datetimeFigureOut">
               <a:rPr lang="en-US" smtClean="0"/>
-              <a:t>6/6/2023</a:t>
+              <a:t>6/11/2023</a:t>
             </a:fld>
             <a:endParaRPr lang="en-US"/>
           </a:p>
@@ -2092,7 +2098,7 @@
           <a:p>
             <a:fld id="{D341B595-366B-43E2-A22E-EA6A78C03F06}" type="datetimeFigureOut">
               <a:rPr lang="en-US" smtClean="0"/>
-              <a:t>6/6/2023</a:t>
+              <a:t>6/11/2023</a:t>
             </a:fld>
             <a:endParaRPr lang="en-US"/>
           </a:p>
@@ -2407,7 +2413,7 @@
           <a:p>
             <a:fld id="{D341B595-366B-43E2-A22E-EA6A78C03F06}" type="datetimeFigureOut">
               <a:rPr lang="en-US" smtClean="0"/>
-              <a:t>6/6/2023</a:t>
+              <a:t>6/11/2023</a:t>
             </a:fld>
             <a:endParaRPr lang="en-US"/>
           </a:p>
@@ -2701,7 +2707,7 @@
           <a:p>
             <a:fld id="{D341B595-366B-43E2-A22E-EA6A78C03F06}" type="datetimeFigureOut">
               <a:rPr lang="en-US" smtClean="0"/>
-              <a:t>6/6/2023</a:t>
+              <a:t>6/11/2023</a:t>
             </a:fld>
             <a:endParaRPr lang="en-US"/>
           </a:p>
@@ -2941,7 +2947,7 @@
           <a:p>
             <a:fld id="{D341B595-366B-43E2-A22E-EA6A78C03F06}" type="datetimeFigureOut">
               <a:rPr lang="en-US" smtClean="0"/>
-              <a:t>6/6/2023</a:t>
+              <a:t>6/11/2023</a:t>
             </a:fld>
             <a:endParaRPr lang="en-US"/>
           </a:p>
@@ -3441,7 +3447,7 @@
               </a:lnSpc>
             </a:pPr>
             <a:r>
-              <a:rPr lang="en-US" sz="3300"/>
+              <a:rPr lang="en-US" sz="3300" dirty="0"/>
               <a:t>Weather Prediction Modelling for sensor placement</a:t>
             </a:r>
           </a:p>
@@ -3573,7 +3579,7 @@
                   <a:spcPts val="600"/>
                 </a:spcAft>
               </a:pPr>
-              <a:t>6/6/2023</a:t>
+              <a:t>6/11/2023</a:t>
             </a:fld>
             <a:endParaRPr lang="en-US"/>
           </a:p>
@@ -3796,15 +3802,6 @@
           <a:solidFill>
             <a:srgbClr val="FFFFFF"/>
           </a:solidFill>
-          <a:extLst>
-            <a:ext uri="{909E8E84-426E-40DD-AFC4-6F175D3DCCD1}">
-              <a14:hiddenFill xmlns:a14="http://schemas.microsoft.com/office/drawing/2010/main">
-                <a:solidFill>
-                  <a:srgbClr val="FFFFFF"/>
-                </a:solidFill>
-              </a14:hiddenFill>
-            </a:ext>
-          </a:extLst>
         </p:spPr>
       </p:pic>
       <p:sp>
@@ -3843,7 +3840,40 @@
             </a:pPr>
             <a:r>
               <a:rPr lang="en-US" sz="1700" b="1" dirty="0"/>
-              <a:t>A research lab is attempting to predict sudden changes in worldwide climate conditions. This is needed to assist in identifying when possible natural disasters may occur by knowing when sudden changes in weather occur and knowing when the normal situations shift. </a:t>
+              <a:t>There is a need to understand what climate conditions are and will be. The need for this is to have proper warning to a big storm or possible climate changes, such as rainfall, far enough in advance to be aware of some of the following:</a:t>
+            </a:r>
+          </a:p>
+          <a:p>
+            <a:pPr>
+              <a:lnSpc>
+                <a:spcPct val="110000"/>
+              </a:lnSpc>
+            </a:pPr>
+            <a:r>
+              <a:rPr lang="en-US" sz="1700" dirty="0"/>
+              <a:t>Possible natural disasters</a:t>
+            </a:r>
+          </a:p>
+          <a:p>
+            <a:pPr>
+              <a:lnSpc>
+                <a:spcPct val="110000"/>
+              </a:lnSpc>
+            </a:pPr>
+            <a:r>
+              <a:rPr lang="en-US" sz="1700" dirty="0"/>
+              <a:t>Flooding</a:t>
+            </a:r>
+          </a:p>
+          <a:p>
+            <a:pPr>
+              <a:lnSpc>
+                <a:spcPct val="110000"/>
+              </a:lnSpc>
+            </a:pPr>
+            <a:r>
+              <a:rPr lang="en-US" sz="1700" dirty="0"/>
+              <a:t>Rain fall for irrigation systems</a:t>
             </a:r>
           </a:p>
           <a:p>
@@ -3854,37 +3884,8 @@
               <a:buNone/>
             </a:pPr>
             <a:r>
-              <a:rPr lang="en-US" sz="1700" b="1" u="sng"/>
-              <a:t>GOAL:</a:t>
-            </a:r>
-            <a:r>
-              <a:rPr lang="en-US" sz="1700" b="1"/>
-              <a:t> Create </a:t>
-            </a:r>
-            <a:r>
-              <a:rPr lang="en-US" sz="1700" b="1" dirty="0"/>
-              <a:t>a way to predict normal trends based on historical data to understand what the normal is.  </a:t>
-            </a:r>
-          </a:p>
-          <a:p>
-            <a:pPr marL="0" indent="0">
-              <a:lnSpc>
-                <a:spcPct val="110000"/>
-              </a:lnSpc>
-              <a:buNone/>
-            </a:pPr>
-            <a:endParaRPr lang="en-US" sz="1700" b="1" u="sng" dirty="0"/>
-          </a:p>
-          <a:p>
-            <a:pPr marL="0" indent="0">
-              <a:lnSpc>
-                <a:spcPct val="110000"/>
-              </a:lnSpc>
-              <a:buNone/>
-            </a:pPr>
-            <a:r>
               <a:rPr lang="en-US" sz="1700" b="1" u="sng" dirty="0"/>
-              <a:t>Impact and Need</a:t>
+              <a:t>Impact:</a:t>
             </a:r>
           </a:p>
           <a:p>
@@ -3962,7 +3963,7 @@
                   <a:spcPts val="600"/>
                 </a:spcAft>
               </a:pPr>
-              <a:t>6/6/2023</a:t>
+              <a:t>6/11/2023</a:t>
             </a:fld>
             <a:endParaRPr lang="en-US"/>
           </a:p>
@@ -4100,9 +4101,16 @@
             <p:ph type="title"/>
           </p:nvPr>
         </p:nvSpPr>
-        <p:spPr/>
-        <p:txBody>
-          <a:bodyPr/>
+        <p:spPr>
+          <a:xfrm>
+            <a:off x="655863" y="156520"/>
+            <a:ext cx="10625229" cy="675641"/>
+          </a:xfrm>
+        </p:spPr>
+        <p:txBody>
+          <a:bodyPr>
+            <a:normAutofit fontScale="90000"/>
+          </a:bodyPr>
           <a:lstStyle/>
           <a:p>
             <a:r>
@@ -4114,29 +4122,243 @@
       </p:sp>
       <p:sp>
         <p:nvSpPr>
-          <p:cNvPr id="3" name="Content Placeholder 2">
-            <a:extLst>
-              <a:ext uri="{FF2B5EF4-FFF2-40B4-BE49-F238E27FC236}">
-                <a16:creationId xmlns:a16="http://schemas.microsoft.com/office/drawing/2014/main" id="{C265DAA2-94EC-8ACF-F3E3-A6B1EF32B1EA}"/>
-              </a:ext>
-            </a:extLst>
-          </p:cNvPr>
-          <p:cNvSpPr>
-            <a:spLocks noGrp="1"/>
-          </p:cNvSpPr>
-          <p:nvPr>
-            <p:ph idx="1"/>
-          </p:nvPr>
-        </p:nvSpPr>
-        <p:spPr/>
-        <p:txBody>
-          <a:bodyPr/>
-          <a:lstStyle/>
-          <a:p>
-            <a:endParaRPr lang="en-US"/>
-          </a:p>
-        </p:txBody>
-      </p:sp>
+          <p:cNvPr id="4" name="Text Placeholder 3">
+            <a:extLst>
+              <a:ext uri="{FF2B5EF4-FFF2-40B4-BE49-F238E27FC236}">
+                <a16:creationId xmlns:a16="http://schemas.microsoft.com/office/drawing/2014/main" id="{C4789C1B-3DCB-202A-27F4-F5711DFD267D}"/>
+              </a:ext>
+            </a:extLst>
+          </p:cNvPr>
+          <p:cNvSpPr>
+            <a:spLocks noGrp="1"/>
+          </p:cNvSpPr>
+          <p:nvPr>
+            <p:ph type="body" idx="1"/>
+          </p:nvPr>
+        </p:nvSpPr>
+        <p:spPr>
+          <a:xfrm>
+            <a:off x="655862" y="832161"/>
+            <a:ext cx="5157787" cy="675641"/>
+          </a:xfrm>
+        </p:spPr>
+        <p:txBody>
+          <a:bodyPr/>
+          <a:lstStyle/>
+          <a:p>
+            <a:r>
+              <a:rPr lang="en-US" dirty="0"/>
+              <a:t>Option 1</a:t>
+            </a:r>
+          </a:p>
+        </p:txBody>
+      </p:sp>
+      <p:sp>
+        <p:nvSpPr>
+          <p:cNvPr id="5" name="Content Placeholder 4">
+            <a:extLst>
+              <a:ext uri="{FF2B5EF4-FFF2-40B4-BE49-F238E27FC236}">
+                <a16:creationId xmlns:a16="http://schemas.microsoft.com/office/drawing/2014/main" id="{7DDC1950-06FF-A85A-097F-D6F7D0704822}"/>
+              </a:ext>
+            </a:extLst>
+          </p:cNvPr>
+          <p:cNvSpPr>
+            <a:spLocks noGrp="1"/>
+          </p:cNvSpPr>
+          <p:nvPr>
+            <p:ph sz="half" idx="2"/>
+          </p:nvPr>
+        </p:nvSpPr>
+        <p:spPr>
+          <a:xfrm>
+            <a:off x="655862" y="1604327"/>
+            <a:ext cx="5157787" cy="3649346"/>
+          </a:xfrm>
+        </p:spPr>
+        <p:txBody>
+          <a:bodyPr/>
+          <a:lstStyle/>
+          <a:p>
+            <a:pPr marL="0" indent="0">
+              <a:buNone/>
+            </a:pPr>
+            <a:r>
+              <a:rPr lang="en-US" dirty="0"/>
+              <a:t>Predictive modelling using historical data to identify future trends. </a:t>
+            </a:r>
+          </a:p>
+          <a:p>
+            <a:r>
+              <a:rPr lang="en-US" dirty="0"/>
+              <a:t>Uses historical data to predict trends and will adjust predictions based on incoming data. </a:t>
+            </a:r>
+          </a:p>
+          <a:p>
+            <a:r>
+              <a:rPr lang="en-US" dirty="0"/>
+              <a:t>Based on historical data, a trend can predict potentially future conditions far enough in advance. </a:t>
+            </a:r>
+          </a:p>
+        </p:txBody>
+      </p:sp>
+      <p:sp>
+        <p:nvSpPr>
+          <p:cNvPr id="6" name="Text Placeholder 5">
+            <a:extLst>
+              <a:ext uri="{FF2B5EF4-FFF2-40B4-BE49-F238E27FC236}">
+                <a16:creationId xmlns:a16="http://schemas.microsoft.com/office/drawing/2014/main" id="{848A174C-C166-13EE-EEF3-8D73A0F9E2BA}"/>
+              </a:ext>
+            </a:extLst>
+          </p:cNvPr>
+          <p:cNvSpPr>
+            <a:spLocks noGrp="1"/>
+          </p:cNvSpPr>
+          <p:nvPr>
+            <p:ph type="body" sz="quarter" idx="3"/>
+          </p:nvPr>
+        </p:nvSpPr>
+        <p:spPr>
+          <a:xfrm>
+            <a:off x="6094412" y="832160"/>
+            <a:ext cx="5183188" cy="675641"/>
+          </a:xfrm>
+        </p:spPr>
+        <p:txBody>
+          <a:bodyPr/>
+          <a:lstStyle/>
+          <a:p>
+            <a:r>
+              <a:rPr lang="en-US" dirty="0"/>
+              <a:t>Option 2</a:t>
+            </a:r>
+          </a:p>
+        </p:txBody>
+      </p:sp>
+      <p:sp>
+        <p:nvSpPr>
+          <p:cNvPr id="7" name="Content Placeholder 6">
+            <a:extLst>
+              <a:ext uri="{FF2B5EF4-FFF2-40B4-BE49-F238E27FC236}">
+                <a16:creationId xmlns:a16="http://schemas.microsoft.com/office/drawing/2014/main" id="{B41B5566-F2C2-7229-7DC5-50D64CCC5FF8}"/>
+              </a:ext>
+            </a:extLst>
+          </p:cNvPr>
+          <p:cNvSpPr>
+            <a:spLocks noGrp="1"/>
+          </p:cNvSpPr>
+          <p:nvPr>
+            <p:ph sz="quarter" idx="4"/>
+          </p:nvPr>
+        </p:nvSpPr>
+        <p:spPr>
+          <a:xfrm>
+            <a:off x="6094412" y="1604327"/>
+            <a:ext cx="5183188" cy="3649346"/>
+          </a:xfrm>
+        </p:spPr>
+        <p:txBody>
+          <a:bodyPr/>
+          <a:lstStyle/>
+          <a:p>
+            <a:pPr marL="0" indent="0">
+              <a:buNone/>
+            </a:pPr>
+            <a:r>
+              <a:rPr lang="en-US" dirty="0"/>
+              <a:t>Real time monitoring to identify drastic changes.</a:t>
+            </a:r>
+          </a:p>
+          <a:p>
+            <a:r>
+              <a:rPr lang="en-US" dirty="0"/>
+              <a:t> Uses real time monitoring devices to identify climate conditions. </a:t>
+            </a:r>
+          </a:p>
+          <a:p>
+            <a:r>
+              <a:rPr lang="en-US" dirty="0"/>
+              <a:t>Based current patterns, a storm can be identified, however the window for preventative measures is small. </a:t>
+            </a:r>
+          </a:p>
+        </p:txBody>
+      </p:sp>
+      <p:cxnSp>
+        <p:nvCxnSpPr>
+          <p:cNvPr id="9" name="Straight Connector 8">
+            <a:extLst>
+              <a:ext uri="{FF2B5EF4-FFF2-40B4-BE49-F238E27FC236}">
+                <a16:creationId xmlns:a16="http://schemas.microsoft.com/office/drawing/2014/main" id="{11D672AC-C158-3AD8-87AB-18BB38DE3265}"/>
+              </a:ext>
+            </a:extLst>
+          </p:cNvPr>
+          <p:cNvCxnSpPr>
+            <a:cxnSpLocks/>
+          </p:cNvCxnSpPr>
+          <p:nvPr/>
+        </p:nvCxnSpPr>
+        <p:spPr>
+          <a:xfrm>
+            <a:off x="655862" y="1507801"/>
+            <a:ext cx="10765512" cy="0"/>
+          </a:xfrm>
+          <a:prstGeom prst="line">
+            <a:avLst/>
+          </a:prstGeom>
+        </p:spPr>
+        <p:style>
+          <a:lnRef idx="1">
+            <a:schemeClr val="dk1"/>
+          </a:lnRef>
+          <a:fillRef idx="0">
+            <a:schemeClr val="dk1"/>
+          </a:fillRef>
+          <a:effectRef idx="0">
+            <a:schemeClr val="dk1"/>
+          </a:effectRef>
+          <a:fontRef idx="minor">
+            <a:schemeClr val="tx1"/>
+          </a:fontRef>
+        </p:style>
+      </p:cxnSp>
+      <p:cxnSp>
+        <p:nvCxnSpPr>
+          <p:cNvPr id="12" name="Straight Connector 11">
+            <a:extLst>
+              <a:ext uri="{FF2B5EF4-FFF2-40B4-BE49-F238E27FC236}">
+                <a16:creationId xmlns:a16="http://schemas.microsoft.com/office/drawing/2014/main" id="{3DEB76AB-49FB-78EF-570C-87346F0408CD}"/>
+              </a:ext>
+            </a:extLst>
+          </p:cNvPr>
+          <p:cNvCxnSpPr>
+            <a:cxnSpLocks/>
+            <a:stCxn id="4" idx="3"/>
+          </p:cNvCxnSpPr>
+          <p:nvPr/>
+        </p:nvCxnSpPr>
+        <p:spPr>
+          <a:xfrm>
+            <a:off x="5813649" y="1169982"/>
+            <a:ext cx="0" cy="3997241"/>
+          </a:xfrm>
+          <a:prstGeom prst="line">
+            <a:avLst/>
+          </a:prstGeom>
+        </p:spPr>
+        <p:style>
+          <a:lnRef idx="1">
+            <a:schemeClr val="dk1"/>
+          </a:lnRef>
+          <a:fillRef idx="0">
+            <a:schemeClr val="dk1"/>
+          </a:fillRef>
+          <a:effectRef idx="0">
+            <a:schemeClr val="dk1"/>
+          </a:effectRef>
+          <a:fontRef idx="minor">
+            <a:schemeClr val="tx1"/>
+          </a:fontRef>
+        </p:style>
+      </p:cxnSp>
     </p:spTree>
     <p:extLst>
       <p:ext uri="{BB962C8B-B14F-4D97-AF65-F5344CB8AC3E}">
@@ -4183,39 +4405,209 @@
             <p:ph type="title"/>
           </p:nvPr>
         </p:nvSpPr>
-        <p:spPr/>
-        <p:txBody>
-          <a:bodyPr/>
-          <a:lstStyle/>
+        <p:spPr>
+          <a:xfrm>
+            <a:off x="652371" y="914400"/>
+            <a:ext cx="4529229" cy="4152900"/>
+          </a:xfrm>
+        </p:spPr>
+        <p:txBody>
+          <a:bodyPr anchor="t">
+            <a:normAutofit/>
+          </a:bodyPr>
+          <a:lstStyle/>
+          <a:p>
+            <a:r>
+              <a:rPr lang="en-US" sz="3300" dirty="0"/>
+              <a:t>Final Recommendation</a:t>
+            </a:r>
+          </a:p>
+        </p:txBody>
+      </p:sp>
+      <p:sp>
+        <p:nvSpPr>
+          <p:cNvPr id="3" name="Content Placeholder 2">
+            <a:extLst>
+              <a:ext uri="{FF2B5EF4-FFF2-40B4-BE49-F238E27FC236}">
+                <a16:creationId xmlns:a16="http://schemas.microsoft.com/office/drawing/2014/main" id="{A478D6E7-EC93-0571-3A01-32C1B9C83975}"/>
+              </a:ext>
+            </a:extLst>
+          </p:cNvPr>
+          <p:cNvSpPr>
+            <a:spLocks noGrp="1"/>
+          </p:cNvSpPr>
+          <p:nvPr>
+            <p:ph idx="1"/>
+          </p:nvPr>
+        </p:nvSpPr>
+        <p:spPr>
+          <a:xfrm>
+            <a:off x="6096000" y="914400"/>
+            <a:ext cx="5181600" cy="5081695"/>
+          </a:xfrm>
+        </p:spPr>
+        <p:txBody>
+          <a:bodyPr>
+            <a:normAutofit/>
+          </a:bodyPr>
+          <a:lstStyle/>
+          <a:p>
+            <a:pPr marL="0" indent="0">
+              <a:buNone/>
+            </a:pPr>
+            <a:r>
+              <a:rPr lang="en-US" b="1" u="sng" dirty="0"/>
+              <a:t>Option 1: Predictive Modeling</a:t>
+            </a:r>
+          </a:p>
           <a:p>
             <a:r>
               <a:rPr lang="en-US" dirty="0"/>
-              <a:t>Final Recommendation</a:t>
-            </a:r>
-          </a:p>
-        </p:txBody>
-      </p:sp>
-      <p:sp>
-        <p:nvSpPr>
-          <p:cNvPr id="3" name="Content Placeholder 2">
-            <a:extLst>
-              <a:ext uri="{FF2B5EF4-FFF2-40B4-BE49-F238E27FC236}">
-                <a16:creationId xmlns:a16="http://schemas.microsoft.com/office/drawing/2014/main" id="{A478D6E7-EC93-0571-3A01-32C1B9C83975}"/>
-              </a:ext>
-            </a:extLst>
-          </p:cNvPr>
-          <p:cNvSpPr>
-            <a:spLocks noGrp="1"/>
-          </p:cNvSpPr>
-          <p:nvPr>
-            <p:ph idx="1"/>
-          </p:nvPr>
-        </p:nvSpPr>
-        <p:spPr/>
-        <p:txBody>
-          <a:bodyPr/>
-          <a:lstStyle/>
-          <a:p>
+              <a:t>Will provide the largest window for preventative measures to incoming stores. </a:t>
+            </a:r>
+          </a:p>
+          <a:p>
+            <a:r>
+              <a:rPr lang="en-US" dirty="0"/>
+              <a:t>With the constant flow of new data, historical trends can continue to evolve the model.</a:t>
+            </a:r>
+          </a:p>
+          <a:p>
+            <a:r>
+              <a:rPr lang="en-US" dirty="0"/>
+              <a:t>Real-time monitoring only, only helps alert incoming stores, not predict them. </a:t>
+            </a:r>
+          </a:p>
+          <a:p>
+            <a:r>
+              <a:rPr lang="en-US" dirty="0"/>
+              <a:t>Modeling can be taught and assessed prior to implementation, while monitor has to be assessed during implementation for accuracy.</a:t>
+            </a:r>
+          </a:p>
+        </p:txBody>
+      </p:sp>
+      <p:sp>
+        <p:nvSpPr>
+          <p:cNvPr id="8" name="Date Placeholder 3">
+            <a:extLst>
+              <a:ext uri="{FF2B5EF4-FFF2-40B4-BE49-F238E27FC236}">
+                <a16:creationId xmlns:a16="http://schemas.microsoft.com/office/drawing/2014/main" id="{14B3EDAC-C2D3-495A-9FC8-21EE73F1C4A9}"/>
+              </a:ext>
+            </a:extLst>
+          </p:cNvPr>
+          <p:cNvSpPr>
+            <a:spLocks noGrp="1"/>
+          </p:cNvSpPr>
+          <p:nvPr>
+            <p:ph type="dt" sz="half" idx="10"/>
+          </p:nvPr>
+        </p:nvSpPr>
+        <p:spPr>
+          <a:xfrm>
+            <a:off x="652371" y="6332538"/>
+            <a:ext cx="3006492" cy="365125"/>
+          </a:xfrm>
+        </p:spPr>
+        <p:txBody>
+          <a:bodyPr/>
+          <a:lstStyle/>
+          <a:p>
+            <a:pPr>
+              <a:spcAft>
+                <a:spcPts val="600"/>
+              </a:spcAft>
+            </a:pPr>
+            <a:fld id="{85E8DAB6-4768-4B6F-86B0-EB9BDF480EE3}" type="datetime1">
+              <a:rPr lang="en-US" smtClean="0"/>
+              <a:pPr>
+                <a:spcAft>
+                  <a:spcPts val="600"/>
+                </a:spcAft>
+              </a:pPr>
+              <a:t>6/11/2023</a:t>
+            </a:fld>
+            <a:endParaRPr lang="en-US"/>
+          </a:p>
+        </p:txBody>
+      </p:sp>
+      <p:sp>
+        <p:nvSpPr>
+          <p:cNvPr id="10" name="Footer Placeholder 4">
+            <a:extLst>
+              <a:ext uri="{FF2B5EF4-FFF2-40B4-BE49-F238E27FC236}">
+                <a16:creationId xmlns:a16="http://schemas.microsoft.com/office/drawing/2014/main" id="{F3140B11-86AA-4429-93F1-8F5BA11DF5DE}"/>
+              </a:ext>
+            </a:extLst>
+          </p:cNvPr>
+          <p:cNvSpPr>
+            <a:spLocks noGrp="1"/>
+          </p:cNvSpPr>
+          <p:nvPr>
+            <p:ph type="ftr" sz="quarter" idx="11"/>
+          </p:nvPr>
+        </p:nvSpPr>
+        <p:spPr>
+          <a:xfrm>
+            <a:off x="8034169" y="6332538"/>
+            <a:ext cx="3505459" cy="365125"/>
+          </a:xfrm>
+        </p:spPr>
+        <p:txBody>
+          <a:bodyPr/>
+          <a:lstStyle/>
+          <a:p>
+            <a:pPr>
+              <a:spcAft>
+                <a:spcPts val="600"/>
+              </a:spcAft>
+            </a:pPr>
+            <a:r>
+              <a:rPr lang="en-US"/>
+              <a:t>Sample Footer Text</a:t>
+            </a:r>
+          </a:p>
+        </p:txBody>
+      </p:sp>
+      <p:sp>
+        <p:nvSpPr>
+          <p:cNvPr id="12" name="Slide Number Placeholder 5">
+            <a:extLst>
+              <a:ext uri="{FF2B5EF4-FFF2-40B4-BE49-F238E27FC236}">
+                <a16:creationId xmlns:a16="http://schemas.microsoft.com/office/drawing/2014/main" id="{55C80F08-A8D5-418B-999E-B0112B346F0B}"/>
+              </a:ext>
+            </a:extLst>
+          </p:cNvPr>
+          <p:cNvSpPr>
+            <a:spLocks noGrp="1"/>
+          </p:cNvSpPr>
+          <p:nvPr>
+            <p:ph type="sldNum" sz="quarter" idx="12"/>
+          </p:nvPr>
+        </p:nvSpPr>
+        <p:spPr>
+          <a:xfrm>
+            <a:off x="11444747" y="6332538"/>
+            <a:ext cx="539808" cy="365125"/>
+          </a:xfrm>
+        </p:spPr>
+        <p:txBody>
+          <a:bodyPr/>
+          <a:lstStyle/>
+          <a:p>
+            <a:pPr>
+              <a:spcAft>
+                <a:spcPts val="600"/>
+              </a:spcAft>
+            </a:pPr>
+            <a:fld id="{45C5C030-0550-4584-9C82-E35DF7DBC581}" type="slidenum">
+              <a:rPr lang="en-US" smtClean="0"/>
+              <a:pPr>
+                <a:spcAft>
+                  <a:spcPts val="600"/>
+                </a:spcAft>
+              </a:pPr>
+              <a:t>4</a:t>
+            </a:fld>
             <a:endParaRPr lang="en-US"/>
           </a:p>
         </p:txBody>
@@ -4266,9 +4658,16 @@
             <p:ph type="title"/>
           </p:nvPr>
         </p:nvSpPr>
-        <p:spPr/>
-        <p:txBody>
-          <a:bodyPr/>
+        <p:spPr>
+          <a:xfrm>
+            <a:off x="5212080" y="160337"/>
+            <a:ext cx="6234796" cy="877917"/>
+          </a:xfrm>
+        </p:spPr>
+        <p:txBody>
+          <a:bodyPr anchor="b">
+            <a:normAutofit/>
+          </a:bodyPr>
           <a:lstStyle/>
           <a:p>
             <a:r>
@@ -4278,6 +4677,54 @@
           </a:p>
         </p:txBody>
       </p:sp>
+      <p:pic>
+        <p:nvPicPr>
+          <p:cNvPr id="1026" name="Picture 2" descr="Cartoon of the Day: The Central Planning Waterfall">
+            <a:extLst>
+              <a:ext uri="{FF2B5EF4-FFF2-40B4-BE49-F238E27FC236}">
+                <a16:creationId xmlns:a16="http://schemas.microsoft.com/office/drawing/2014/main" id="{1246D378-7138-640F-406D-F44B221B411B}"/>
+              </a:ext>
+            </a:extLst>
+          </p:cNvPr>
+          <p:cNvPicPr>
+            <a:picLocks noChangeAspect="1" noChangeArrowheads="1"/>
+          </p:cNvPicPr>
+          <p:nvPr/>
+        </p:nvPicPr>
+        <p:blipFill>
+          <a:blip r:embed="rId2">
+            <a:extLst>
+              <a:ext uri="{28A0092B-C50C-407E-A947-70E740481C1C}">
+                <a14:useLocalDpi xmlns:a14="http://schemas.microsoft.com/office/drawing/2010/main" val="0"/>
+              </a:ext>
+            </a:extLst>
+          </a:blip>
+          <a:stretch>
+            <a:fillRect/>
+          </a:stretch>
+        </p:blipFill>
+        <p:spPr bwMode="auto">
+          <a:xfrm>
+            <a:off x="372475" y="1036320"/>
+            <a:ext cx="4274107" cy="5029200"/>
+          </a:xfrm>
+          <a:prstGeom prst="rect">
+            <a:avLst/>
+          </a:prstGeom>
+          <a:solidFill>
+            <a:srgbClr val="FFFFFF"/>
+          </a:solidFill>
+          <a:extLst>
+            <a:ext uri="{909E8E84-426E-40DD-AFC4-6F175D3DCCD1}">
+              <a14:hiddenFill xmlns:a14="http://schemas.microsoft.com/office/drawing/2010/main">
+                <a:solidFill>
+                  <a:srgbClr val="FFFFFF"/>
+                </a:solidFill>
+              </a14:hiddenFill>
+            </a:ext>
+          </a:extLst>
+        </p:spPr>
+      </p:pic>
       <p:sp>
         <p:nvSpPr>
           <p:cNvPr id="3" name="Content Placeholder 2">
@@ -4294,27 +4741,239 @@
             <p:ph idx="1"/>
           </p:nvPr>
         </p:nvSpPr>
-        <p:spPr/>
-        <p:txBody>
-          <a:bodyPr/>
-          <a:lstStyle/>
-          <a:p>
-            <a:r>
-              <a:rPr lang="en-US" dirty="0"/>
+        <p:spPr>
+          <a:xfrm>
+            <a:off x="5212080" y="1284317"/>
+            <a:ext cx="6772475" cy="3082413"/>
+          </a:xfrm>
+        </p:spPr>
+        <p:txBody>
+          <a:bodyPr>
+            <a:noAutofit/>
+          </a:bodyPr>
+          <a:lstStyle/>
+          <a:p>
+            <a:pPr marL="0" indent="0">
+              <a:lnSpc>
+                <a:spcPct val="110000"/>
+              </a:lnSpc>
+              <a:buNone/>
+            </a:pPr>
+            <a:r>
+              <a:rPr lang="en-US" b="1" dirty="0"/>
               <a:t>Operational</a:t>
             </a:r>
           </a:p>
           <a:p>
-            <a:r>
-              <a:rPr lang="en-US" dirty="0"/>
+            <a:pPr lvl="1">
+              <a:lnSpc>
+                <a:spcPct val="110000"/>
+              </a:lnSpc>
+            </a:pPr>
+            <a:r>
+              <a:rPr lang="en-US" sz="2000" dirty="0"/>
+              <a:t>Model was taught with data missing units. </a:t>
+            </a:r>
+          </a:p>
+          <a:p>
+            <a:pPr lvl="1">
+              <a:lnSpc>
+                <a:spcPct val="110000"/>
+              </a:lnSpc>
+            </a:pPr>
+            <a:r>
+              <a:rPr lang="en-US" sz="2000" dirty="0"/>
+              <a:t>To get continuous data for learning and adjusting, sensors and IOT devices need to be installed in areas desired.</a:t>
+            </a:r>
+          </a:p>
+          <a:p>
+            <a:pPr marL="0" indent="0">
+              <a:lnSpc>
+                <a:spcPct val="110000"/>
+              </a:lnSpc>
+              <a:buNone/>
+            </a:pPr>
+            <a:r>
+              <a:rPr lang="en-US" b="1" dirty="0"/>
               <a:t>Ethical </a:t>
             </a:r>
           </a:p>
           <a:p>
+            <a:pPr lvl="1">
+              <a:lnSpc>
+                <a:spcPct val="110000"/>
+              </a:lnSpc>
+            </a:pPr>
+            <a:r>
+              <a:rPr lang="en-US" sz="2000" dirty="0"/>
+              <a:t>Potential for false predictions could induce society panic. </a:t>
+            </a:r>
+          </a:p>
+          <a:p>
+            <a:pPr lvl="1">
+              <a:lnSpc>
+                <a:spcPct val="110000"/>
+              </a:lnSpc>
+            </a:pPr>
+            <a:r>
+              <a:rPr lang="en-US" sz="2000" dirty="0"/>
+              <a:t>Any IOT devices installed in a location could be assumed to impede privacy.</a:t>
+            </a:r>
+          </a:p>
+          <a:p>
+            <a:pPr marL="0" indent="0">
+              <a:lnSpc>
+                <a:spcPct val="110000"/>
+              </a:lnSpc>
+              <a:buNone/>
+            </a:pPr>
             <a:r>
               <a:rPr lang="en-US" dirty="0"/>
               <a:t>Regulatory</a:t>
             </a:r>
+          </a:p>
+          <a:p>
+            <a:pPr lvl="1">
+              <a:lnSpc>
+                <a:spcPct val="110000"/>
+              </a:lnSpc>
+            </a:pPr>
+            <a:r>
+              <a:rPr lang="en-US" sz="2000" dirty="0"/>
+              <a:t>Government buy-off needs to be understood as these models will potentially affect society.</a:t>
+            </a:r>
+          </a:p>
+        </p:txBody>
+      </p:sp>
+      <p:sp>
+        <p:nvSpPr>
+          <p:cNvPr id="8" name="Date Placeholder 3">
+            <a:extLst>
+              <a:ext uri="{FF2B5EF4-FFF2-40B4-BE49-F238E27FC236}">
+                <a16:creationId xmlns:a16="http://schemas.microsoft.com/office/drawing/2014/main" id="{190EBB63-6737-44F0-8650-BF095B609EC1}"/>
+              </a:ext>
+            </a:extLst>
+          </p:cNvPr>
+          <p:cNvSpPr>
+            <a:spLocks noGrp="1"/>
+          </p:cNvSpPr>
+          <p:nvPr>
+            <p:ph type="dt" sz="half" idx="10"/>
+          </p:nvPr>
+        </p:nvSpPr>
+        <p:spPr>
+          <a:xfrm>
+            <a:off x="652371" y="6332538"/>
+            <a:ext cx="3006492" cy="365125"/>
+          </a:xfrm>
+        </p:spPr>
+        <p:txBody>
+          <a:bodyPr>
+            <a:normAutofit/>
+          </a:bodyPr>
+          <a:lstStyle/>
+          <a:p>
+            <a:pPr>
+              <a:spcAft>
+                <a:spcPts val="600"/>
+              </a:spcAft>
+            </a:pPr>
+            <a:fld id="{54363AB2-6EEA-4557-B66E-C3DD8B42DE68}" type="datetime1">
+              <a:rPr lang="en-US" smtClean="0"/>
+              <a:pPr>
+                <a:spcAft>
+                  <a:spcPts val="600"/>
+                </a:spcAft>
+              </a:pPr>
+              <a:t>6/11/2023</a:t>
+            </a:fld>
+            <a:endParaRPr lang="en-US"/>
+          </a:p>
+        </p:txBody>
+      </p:sp>
+      <p:sp>
+        <p:nvSpPr>
+          <p:cNvPr id="10" name="Footer Placeholder 4">
+            <a:extLst>
+              <a:ext uri="{FF2B5EF4-FFF2-40B4-BE49-F238E27FC236}">
+                <a16:creationId xmlns:a16="http://schemas.microsoft.com/office/drawing/2014/main" id="{DDEA55D3-9E3C-420C-AD74-642699513A89}"/>
+              </a:ext>
+            </a:extLst>
+          </p:cNvPr>
+          <p:cNvSpPr>
+            <a:spLocks noGrp="1"/>
+          </p:cNvSpPr>
+          <p:nvPr>
+            <p:ph type="ftr" sz="quarter" idx="11"/>
+          </p:nvPr>
+        </p:nvSpPr>
+        <p:spPr>
+          <a:xfrm>
+            <a:off x="8034169" y="6332538"/>
+            <a:ext cx="3505459" cy="365125"/>
+          </a:xfrm>
+        </p:spPr>
+        <p:txBody>
+          <a:bodyPr>
+            <a:normAutofit/>
+          </a:bodyPr>
+          <a:lstStyle/>
+          <a:p>
+            <a:pPr>
+              <a:spcAft>
+                <a:spcPts val="600"/>
+              </a:spcAft>
+            </a:pPr>
+            <a:r>
+              <a:rPr lang="en-US"/>
+              <a:t>Sample Footer Text</a:t>
+            </a:r>
+          </a:p>
+        </p:txBody>
+      </p:sp>
+      <p:sp>
+        <p:nvSpPr>
+          <p:cNvPr id="12" name="Slide Number Placeholder 5">
+            <a:extLst>
+              <a:ext uri="{FF2B5EF4-FFF2-40B4-BE49-F238E27FC236}">
+                <a16:creationId xmlns:a16="http://schemas.microsoft.com/office/drawing/2014/main" id="{0F6C2FC2-1EAC-4A19-915E-364DE8BCB8E8}"/>
+              </a:ext>
+            </a:extLst>
+          </p:cNvPr>
+          <p:cNvSpPr>
+            <a:spLocks noGrp="1"/>
+          </p:cNvSpPr>
+          <p:nvPr>
+            <p:ph type="sldNum" sz="quarter" idx="12"/>
+          </p:nvPr>
+        </p:nvSpPr>
+        <p:spPr>
+          <a:xfrm>
+            <a:off x="11444747" y="6332538"/>
+            <a:ext cx="539808" cy="365125"/>
+          </a:xfrm>
+        </p:spPr>
+        <p:txBody>
+          <a:bodyPr>
+            <a:normAutofit/>
+          </a:bodyPr>
+          <a:lstStyle/>
+          <a:p>
+            <a:pPr>
+              <a:spcAft>
+                <a:spcPts val="600"/>
+              </a:spcAft>
+            </a:pPr>
+            <a:fld id="{45C5C030-0550-4584-9C82-E35DF7DBC581}" type="slidenum">
+              <a:rPr lang="en-US" smtClean="0"/>
+              <a:pPr>
+                <a:spcAft>
+                  <a:spcPts val="600"/>
+                </a:spcAft>
+              </a:pPr>
+              <a:t>5</a:t>
+            </a:fld>
+            <a:endParaRPr lang="en-US"/>
           </a:p>
         </p:txBody>
       </p:sp>
@@ -4364,20 +5023,20 @@
             <p:ph type="title"/>
           </p:nvPr>
         </p:nvSpPr>
-        <p:spPr/>
+        <p:spPr>
+          <a:xfrm>
+            <a:off x="652371" y="292101"/>
+            <a:ext cx="10625229" cy="795020"/>
+          </a:xfrm>
+        </p:spPr>
         <p:txBody>
           <a:bodyPr/>
           <a:lstStyle/>
           <a:p>
             <a:r>
               <a:rPr lang="en-US" dirty="0"/>
-              <a:t>Mitigation </a:t>
-            </a:r>
-            <a:r>
-              <a:rPr lang="en-US" dirty="0" err="1"/>
-              <a:t>Stratgy</a:t>
-            </a:r>
-            <a:endParaRPr lang="en-US" dirty="0"/>
+              <a:t>Mitigation Strategy</a:t>
+            </a:r>
           </a:p>
         </p:txBody>
       </p:sp>
@@ -4397,12 +5056,69 @@
             <p:ph idx="1"/>
           </p:nvPr>
         </p:nvSpPr>
-        <p:spPr/>
-        <p:txBody>
-          <a:bodyPr/>
-          <a:lstStyle/>
-          <a:p>
-            <a:endParaRPr lang="en-US"/>
+        <p:spPr>
+          <a:xfrm>
+            <a:off x="652371" y="1452880"/>
+            <a:ext cx="10620855" cy="4490720"/>
+          </a:xfrm>
+        </p:spPr>
+        <p:txBody>
+          <a:bodyPr/>
+          <a:lstStyle/>
+          <a:p>
+            <a:pPr marL="0" indent="0">
+              <a:buNone/>
+            </a:pPr>
+            <a:r>
+              <a:rPr lang="en-US" dirty="0"/>
+              <a:t>Operational</a:t>
+            </a:r>
+          </a:p>
+          <a:p>
+            <a:pPr lvl="1"/>
+            <a:r>
+              <a:rPr lang="en-US" dirty="0"/>
+              <a:t>Once model accuracy is validated, Use known metric data to reassess.</a:t>
+            </a:r>
+          </a:p>
+          <a:p>
+            <a:pPr marL="0" indent="0">
+              <a:buNone/>
+            </a:pPr>
+            <a:r>
+              <a:rPr lang="en-US" dirty="0"/>
+              <a:t>Ethical</a:t>
+            </a:r>
+          </a:p>
+          <a:p>
+            <a:pPr lvl="1"/>
+            <a:r>
+              <a:rPr lang="en-US" dirty="0"/>
+              <a:t>Properly test and run active pilots with results listed and posted for public view.</a:t>
+            </a:r>
+          </a:p>
+          <a:p>
+            <a:pPr lvl="1"/>
+            <a:r>
+              <a:rPr lang="en-US" dirty="0"/>
+              <a:t>Disclaimers can be placed on the devices used to ensure no ethical violation.</a:t>
+            </a:r>
+          </a:p>
+          <a:p>
+            <a:pPr marL="0" indent="0">
+              <a:buNone/>
+            </a:pPr>
+            <a:r>
+              <a:rPr lang="en-US" dirty="0"/>
+              <a:t>Regulatory</a:t>
+            </a:r>
+          </a:p>
+          <a:p>
+            <a:pPr lvl="1"/>
+            <a:r>
+              <a:rPr lang="en-US" dirty="0"/>
+              <a:t>Make a proposal once model is validated to take to the governing officials for approval in the area desired for implementation. </a:t>
+            </a:r>
           </a:p>
         </p:txBody>
       </p:sp>
@@ -4410,6 +5126,315 @@
     <p:extLst>
       <p:ext uri="{BB962C8B-B14F-4D97-AF65-F5344CB8AC3E}">
         <p14:creationId xmlns:p14="http://schemas.microsoft.com/office/powerpoint/2010/main" val="1624536865"/>
+      </p:ext>
+    </p:extLst>
+  </p:cSld>
+  <p:clrMapOvr>
+    <a:masterClrMapping/>
+  </p:clrMapOvr>
+</p:sld>
+</file>
+
+<file path=ppt/slides/slide7.xml><?xml version="1.0" encoding="utf-8"?>
+<p:sld xmlns:a="http://schemas.openxmlformats.org/drawingml/2006/main" xmlns:r="http://schemas.openxmlformats.org/officeDocument/2006/relationships" xmlns:p="http://schemas.openxmlformats.org/presentationml/2006/main">
+  <p:cSld>
+    <p:spTree>
+      <p:nvGrpSpPr>
+        <p:cNvPr id="1" name=""/>
+        <p:cNvGrpSpPr/>
+        <p:nvPr/>
+      </p:nvGrpSpPr>
+      <p:grpSpPr>
+        <a:xfrm>
+          <a:off x="0" y="0"/>
+          <a:ext cx="0" cy="0"/>
+          <a:chOff x="0" y="0"/>
+          <a:chExt cx="0" cy="0"/>
+        </a:xfrm>
+      </p:grpSpPr>
+      <p:pic>
+        <p:nvPicPr>
+          <p:cNvPr id="5" name="Picture 4" descr="Light bulb on yellow background with sketched light beams and cord">
+            <a:extLst>
+              <a:ext uri="{FF2B5EF4-FFF2-40B4-BE49-F238E27FC236}">
+                <a16:creationId xmlns:a16="http://schemas.microsoft.com/office/drawing/2014/main" id="{A4D1454D-5352-87A3-6AF9-E1E863C3248A}"/>
+              </a:ext>
+            </a:extLst>
+          </p:cNvPr>
+          <p:cNvPicPr>
+            <a:picLocks noChangeAspect="1"/>
+          </p:cNvPicPr>
+          <p:nvPr/>
+        </p:nvPicPr>
+        <p:blipFill rotWithShape="1">
+          <a:blip r:embed="rId2"/>
+          <a:srcRect l="44796" r="538"/>
+          <a:stretch/>
+        </p:blipFill>
+        <p:spPr>
+          <a:xfrm>
+            <a:off x="20" y="10"/>
+            <a:ext cx="6095980" cy="6857990"/>
+          </a:xfrm>
+          <a:prstGeom prst="rect">
+            <a:avLst/>
+          </a:prstGeom>
+          <a:noFill/>
+        </p:spPr>
+      </p:pic>
+      <p:sp>
+        <p:nvSpPr>
+          <p:cNvPr id="2" name="Title 1">
+            <a:extLst>
+              <a:ext uri="{FF2B5EF4-FFF2-40B4-BE49-F238E27FC236}">
+                <a16:creationId xmlns:a16="http://schemas.microsoft.com/office/drawing/2014/main" id="{7AC49792-A76F-1EEB-41C3-3FBBA5B757B7}"/>
+              </a:ext>
+            </a:extLst>
+          </p:cNvPr>
+          <p:cNvSpPr>
+            <a:spLocks noGrp="1"/>
+          </p:cNvSpPr>
+          <p:nvPr>
+            <p:ph type="title"/>
+          </p:nvPr>
+        </p:nvSpPr>
+        <p:spPr>
+          <a:xfrm>
+            <a:off x="6331811" y="160337"/>
+            <a:ext cx="5652744" cy="2371660"/>
+          </a:xfrm>
+        </p:spPr>
+        <p:txBody>
+          <a:bodyPr anchor="t">
+            <a:normAutofit/>
+          </a:bodyPr>
+          <a:lstStyle/>
+          <a:p>
+            <a:pPr>
+              <a:lnSpc>
+                <a:spcPct val="110000"/>
+              </a:lnSpc>
+            </a:pPr>
+            <a:r>
+              <a:rPr lang="en-US" sz="3300" dirty="0"/>
+              <a:t>Lessons Learned and Future Implementation</a:t>
+            </a:r>
+          </a:p>
+        </p:txBody>
+      </p:sp>
+      <p:sp>
+        <p:nvSpPr>
+          <p:cNvPr id="3" name="Content Placeholder 2">
+            <a:extLst>
+              <a:ext uri="{FF2B5EF4-FFF2-40B4-BE49-F238E27FC236}">
+                <a16:creationId xmlns:a16="http://schemas.microsoft.com/office/drawing/2014/main" id="{B589498E-D8C6-3438-1813-9DB63CB9EC65}"/>
+              </a:ext>
+            </a:extLst>
+          </p:cNvPr>
+          <p:cNvSpPr>
+            <a:spLocks noGrp="1"/>
+          </p:cNvSpPr>
+          <p:nvPr>
+            <p:ph idx="1"/>
+          </p:nvPr>
+        </p:nvSpPr>
+        <p:spPr>
+          <a:xfrm>
+            <a:off x="6520800" y="2032000"/>
+            <a:ext cx="5018827" cy="5029200"/>
+          </a:xfrm>
+        </p:spPr>
+        <p:txBody>
+          <a:bodyPr>
+            <a:normAutofit/>
+          </a:bodyPr>
+          <a:lstStyle/>
+          <a:p>
+            <a:pPr marL="0" indent="0">
+              <a:buNone/>
+            </a:pPr>
+            <a:r>
+              <a:rPr lang="en-US" dirty="0"/>
+              <a:t>This model creation was just a proof of concept and 1</a:t>
+            </a:r>
+            <a:r>
+              <a:rPr lang="en-US" baseline="30000" dirty="0"/>
+              <a:t>st</a:t>
+            </a:r>
+            <a:r>
+              <a:rPr lang="en-US" dirty="0"/>
+              <a:t> iteration.  To implement for actual solution implementation will involve some of the following learnings applied. </a:t>
+            </a:r>
+          </a:p>
+          <a:p>
+            <a:r>
+              <a:rPr lang="en-US" dirty="0"/>
+              <a:t>Use data with known metrics to reteach model. </a:t>
+            </a:r>
+          </a:p>
+          <a:p>
+            <a:r>
+              <a:rPr lang="en-US" dirty="0"/>
+              <a:t>Add algorithms to use known data for the creation of new calculated variables such as air pressure.</a:t>
+            </a:r>
+          </a:p>
+          <a:p>
+            <a:endParaRPr lang="en-US" dirty="0"/>
+          </a:p>
+        </p:txBody>
+      </p:sp>
+      <p:sp>
+        <p:nvSpPr>
+          <p:cNvPr id="9" name="Date Placeholder 5">
+            <a:extLst>
+              <a:ext uri="{FF2B5EF4-FFF2-40B4-BE49-F238E27FC236}">
+                <a16:creationId xmlns:a16="http://schemas.microsoft.com/office/drawing/2014/main" id="{15DE728A-5E91-4DAE-AC8D-B0CC4C86B288}"/>
+              </a:ext>
+            </a:extLst>
+          </p:cNvPr>
+          <p:cNvSpPr>
+            <a:spLocks noGrp="1"/>
+          </p:cNvSpPr>
+          <p:nvPr>
+            <p:ph type="dt" sz="half" idx="10"/>
+          </p:nvPr>
+        </p:nvSpPr>
+        <p:spPr>
+          <a:xfrm>
+            <a:off x="652371" y="6332538"/>
+            <a:ext cx="3006492" cy="365125"/>
+          </a:xfrm>
+        </p:spPr>
+        <p:txBody>
+          <a:bodyPr/>
+          <a:lstStyle/>
+          <a:p>
+            <a:pPr>
+              <a:spcAft>
+                <a:spcPts val="600"/>
+              </a:spcAft>
+            </a:pPr>
+            <a:fld id="{01215960-52EB-438E-AA43-CA28041327C9}" type="datetime1">
+              <a:rPr lang="en-US" smtClean="0">
+                <a:solidFill>
+                  <a:srgbClr val="FFFFFF"/>
+                </a:solidFill>
+                <a:effectLst>
+                  <a:outerShdw blurRad="38100" dist="38100" dir="2700000" algn="tl">
+                    <a:srgbClr val="000000">
+                      <a:alpha val="43137"/>
+                    </a:srgbClr>
+                  </a:outerShdw>
+                </a:effectLst>
+              </a:rPr>
+              <a:pPr>
+                <a:spcAft>
+                  <a:spcPts val="600"/>
+                </a:spcAft>
+              </a:pPr>
+              <a:t>6/11/2023</a:t>
+            </a:fld>
+            <a:endParaRPr lang="en-US">
+              <a:solidFill>
+                <a:srgbClr val="FFFFFF"/>
+              </a:solidFill>
+              <a:effectLst>
+                <a:outerShdw blurRad="38100" dist="38100" dir="2700000" algn="tl">
+                  <a:srgbClr val="000000">
+                    <a:alpha val="43137"/>
+                  </a:srgbClr>
+                </a:outerShdw>
+              </a:effectLst>
+            </a:endParaRPr>
+          </a:p>
+        </p:txBody>
+      </p:sp>
+      <p:sp>
+        <p:nvSpPr>
+          <p:cNvPr id="11" name="Footer Placeholder 6">
+            <a:extLst>
+              <a:ext uri="{FF2B5EF4-FFF2-40B4-BE49-F238E27FC236}">
+                <a16:creationId xmlns:a16="http://schemas.microsoft.com/office/drawing/2014/main" id="{D98BDDCD-F2A2-4455-8C33-A462EC026B51}"/>
+              </a:ext>
+            </a:extLst>
+          </p:cNvPr>
+          <p:cNvSpPr>
+            <a:spLocks noGrp="1"/>
+          </p:cNvSpPr>
+          <p:nvPr>
+            <p:ph type="ftr" sz="quarter" idx="11"/>
+          </p:nvPr>
+        </p:nvSpPr>
+        <p:spPr>
+          <a:xfrm>
+            <a:off x="8034169" y="6332538"/>
+            <a:ext cx="3505459" cy="365125"/>
+          </a:xfrm>
+        </p:spPr>
+        <p:txBody>
+          <a:bodyPr/>
+          <a:lstStyle/>
+          <a:p>
+            <a:pPr>
+              <a:spcAft>
+                <a:spcPts val="600"/>
+              </a:spcAft>
+            </a:pPr>
+            <a:r>
+              <a:rPr lang="en-US"/>
+              <a:t>Sample Footer Text</a:t>
+            </a:r>
+          </a:p>
+        </p:txBody>
+      </p:sp>
+      <p:sp>
+        <p:nvSpPr>
+          <p:cNvPr id="13" name="Slide Number Placeholder 8">
+            <a:extLst>
+              <a:ext uri="{FF2B5EF4-FFF2-40B4-BE49-F238E27FC236}">
+                <a16:creationId xmlns:a16="http://schemas.microsoft.com/office/drawing/2014/main" id="{376BC8A2-B757-46F4-A413-3CFAF765CA2E}"/>
+              </a:ext>
+            </a:extLst>
+          </p:cNvPr>
+          <p:cNvSpPr>
+            <a:spLocks noGrp="1"/>
+          </p:cNvSpPr>
+          <p:nvPr>
+            <p:ph type="sldNum" sz="quarter" idx="12"/>
+          </p:nvPr>
+        </p:nvSpPr>
+        <p:spPr>
+          <a:xfrm>
+            <a:off x="11444747" y="6332538"/>
+            <a:ext cx="539808" cy="365125"/>
+          </a:xfrm>
+        </p:spPr>
+        <p:txBody>
+          <a:bodyPr/>
+          <a:lstStyle/>
+          <a:p>
+            <a:pPr>
+              <a:spcAft>
+                <a:spcPts val="600"/>
+              </a:spcAft>
+            </a:pPr>
+            <a:fld id="{45C5C030-0550-4584-9C82-E35DF7DBC581}" type="slidenum">
+              <a:rPr lang="en-US" smtClean="0"/>
+              <a:pPr>
+                <a:spcAft>
+                  <a:spcPts val="600"/>
+                </a:spcAft>
+              </a:pPr>
+              <a:t>7</a:t>
+            </a:fld>
+            <a:endParaRPr lang="en-US"/>
+          </a:p>
+        </p:txBody>
+      </p:sp>
+    </p:spTree>
+    <p:extLst>
+      <p:ext uri="{BB962C8B-B14F-4D97-AF65-F5344CB8AC3E}">
+        <p14:creationId xmlns:p14="http://schemas.microsoft.com/office/powerpoint/2010/main" val="3785697121"/>
       </p:ext>
     </p:extLst>
   </p:cSld>
